--- a/커널해킹의중요성.pptx
+++ b/커널해킹의중요성.pptx
@@ -20,7 +20,8 @@
     <p:sldId id="269" r:id="rId14"/>
     <p:sldId id="270" r:id="rId15"/>
     <p:sldId id="271" r:id="rId16"/>
-    <p:sldId id="266" r:id="rId17"/>
+    <p:sldId id="272" r:id="rId17"/>
+    <p:sldId id="266" r:id="rId18"/>
   </p:sldIdLst>
   <p:sldSz cx="12192000" cy="6858000"/>
   <p:notesSz cx="6858000" cy="9144000"/>
@@ -8920,7 +8921,7 @@
           <a:p>
             <a:fld id="{6AD6EE87-EBD5-4F12-A48A-63ACA297AC8F}" type="datetimeFigureOut">
               <a:rPr lang="en-US" dirty="0"/>
-              <a:t>8/12/24</a:t>
+              <a:t>8/15/24</a:t>
             </a:fld>
             <a:endParaRPr lang="en-US" dirty="0"/>
           </a:p>
@@ -9098,7 +9099,7 @@
           <a:p>
             <a:fld id="{4CD73815-2707-4475-8F1A-B873CB631BB4}" type="datetimeFigureOut">
               <a:rPr lang="en-US" dirty="0"/>
-              <a:t>8/12/24</a:t>
+              <a:t>8/15/24</a:t>
             </a:fld>
             <a:endParaRPr lang="en-US" dirty="0"/>
           </a:p>
@@ -9249,7 +9250,7 @@
           <a:p>
             <a:fld id="{2A4AFB99-0EAB-4182-AFF8-E214C82A68F6}" type="datetimeFigureOut">
               <a:rPr lang="en-US" dirty="0"/>
-              <a:t>8/12/24</a:t>
+              <a:t>8/15/24</a:t>
             </a:fld>
             <a:endParaRPr lang="en-US" dirty="0"/>
           </a:p>
@@ -9425,7 +9426,7 @@
           <a:p>
             <a:fld id="{A5D3794B-289A-4A80-97D7-111025398D45}" type="datetimeFigureOut">
               <a:rPr lang="en-US" dirty="0"/>
-              <a:t>8/12/24</a:t>
+              <a:t>8/15/24</a:t>
             </a:fld>
             <a:endParaRPr lang="en-US" dirty="0"/>
           </a:p>
@@ -18323,7 +18324,7 @@
           <a:p>
             <a:fld id="{5A61015F-7CC6-4D0A-9D87-873EA4C304CC}" type="datetimeFigureOut">
               <a:rPr lang="en-US" dirty="0"/>
-              <a:t>8/12/24</a:t>
+              <a:t>8/15/24</a:t>
             </a:fld>
             <a:endParaRPr lang="en-US" dirty="0"/>
           </a:p>
@@ -18544,7 +18545,7 @@
           <a:p>
             <a:fld id="{93C6A301-0538-44EC-B09D-202E1042A48B}" type="datetimeFigureOut">
               <a:rPr lang="en-US" dirty="0"/>
-              <a:t>8/12/24</a:t>
+              <a:t>8/15/24</a:t>
             </a:fld>
             <a:endParaRPr lang="en-US" dirty="0"/>
           </a:p>
@@ -18899,7 +18900,7 @@
           <a:p>
             <a:fld id="{D789574A-8875-45EF-8EA2-3CAA0F7ABC4C}" type="datetimeFigureOut">
               <a:rPr lang="en-US" dirty="0"/>
-              <a:t>8/12/24</a:t>
+              <a:t>8/15/24</a:t>
             </a:fld>
             <a:endParaRPr lang="en-US" dirty="0"/>
           </a:p>
@@ -19012,7 +19013,7 @@
           <a:p>
             <a:fld id="{67EF4D4C-5367-4C26-9E2B-D8088D7FCA81}" type="datetimeFigureOut">
               <a:rPr lang="en-US" dirty="0"/>
-              <a:t>8/12/24</a:t>
+              <a:t>8/15/24</a:t>
             </a:fld>
             <a:endParaRPr lang="en-US" dirty="0"/>
           </a:p>
@@ -19102,7 +19103,7 @@
           <a:p>
             <a:fld id="{56E91E96-98B0-4413-9547-46F3504108EF}" type="datetimeFigureOut">
               <a:rPr lang="en-US" dirty="0"/>
-              <a:t>8/12/24</a:t>
+              <a:t>8/15/24</a:t>
             </a:fld>
             <a:endParaRPr lang="en-US" dirty="0"/>
           </a:p>
@@ -19368,7 +19369,7 @@
           <a:p>
             <a:fld id="{05C68B11-C5A8-448C-8CE9-B1A273C79CFC}" type="datetimeFigureOut">
               <a:rPr lang="en-US" dirty="0"/>
-              <a:t>8/12/24</a:t>
+              <a:t>8/15/24</a:t>
             </a:fld>
             <a:endParaRPr lang="en-US" dirty="0"/>
           </a:p>
@@ -19648,7 +19649,7 @@
           <a:p>
             <a:fld id="{C7616CA0-919D-4A49-9C8A-62FDFB3A5183}" type="datetimeFigureOut">
               <a:rPr lang="en-US" dirty="0"/>
-              <a:t>8/12/24</a:t>
+              <a:t>8/15/24</a:t>
             </a:fld>
             <a:endParaRPr lang="en-US" dirty="0"/>
           </a:p>
@@ -19870,7 +19871,7 @@
             <a:fld id="{90298CD5-6C1E-4009-B41F-6DF62E31D3BE}" type="datetimeFigureOut">
               <a:rPr lang="en-US" dirty="0"/>
               <a:pPr/>
-              <a:t>8/12/24</a:t>
+              <a:t>8/15/24</a:t>
             </a:fld>
             <a:endParaRPr lang="en-US" dirty="0"/>
           </a:p>
@@ -20453,15 +20454,30 @@
               <a:t> </a:t>
             </a:r>
             <a:r>
-              <a:rPr kumimoji="1" lang="en-US" altLang="ko-KR"/>
+              <a:rPr kumimoji="1" lang="en-US" altLang="ko-KR" dirty="0"/>
               <a:t>nope!!!</a:t>
             </a:r>
-            <a:endParaRPr kumimoji="1" lang="en-US" altLang="ko-KR" dirty="0"/>
           </a:p>
           <a:p>
             <a:r>
               <a:rPr kumimoji="1" lang="en-US" altLang="ko-KR" dirty="0"/>
               <a:t>-+</a:t>
+            </a:r>
+            <a:r>
+              <a:rPr kumimoji="1" lang="ko-KR" altLang="en-US" dirty="0"/>
+              <a:t> </a:t>
+            </a:r>
+            <a:r>
+              <a:rPr kumimoji="1" lang="en-US" altLang="ko-KR" dirty="0"/>
+              <a:t>(</a:t>
+            </a:r>
+            <a:r>
+              <a:rPr kumimoji="1" lang="en-US" altLang="ko-KR" dirty="0" err="1"/>
+              <a:t>ver</a:t>
+            </a:r>
+            <a:r>
+              <a:rPr kumimoji="1" lang="en-US" altLang="ko-KR" dirty="0"/>
+              <a:t> 2)</a:t>
             </a:r>
             <a:endParaRPr kumimoji="1" lang="ko-KR" altLang="en-US" dirty="0"/>
           </a:p>
@@ -22491,6 +22507,293 @@
           <p:cNvPr id="2" name="제목 1">
             <a:extLst>
               <a:ext uri="{FF2B5EF4-FFF2-40B4-BE49-F238E27FC236}">
+                <a16:creationId xmlns:a16="http://schemas.microsoft.com/office/drawing/2014/main" id="{5E998C98-98A8-D141-A13A-AED54C2F59AD}"/>
+              </a:ext>
+            </a:extLst>
+          </p:cNvPr>
+          <p:cNvSpPr>
+            <a:spLocks noGrp="1"/>
+          </p:cNvSpPr>
+          <p:nvPr>
+            <p:ph type="title"/>
+          </p:nvPr>
+        </p:nvSpPr>
+        <p:spPr/>
+        <p:txBody>
+          <a:bodyPr/>
+          <a:lstStyle/>
+          <a:p>
+            <a:r>
+              <a:rPr kumimoji="1" lang="en-US" altLang="ko-KR" dirty="0"/>
+              <a:t>Ver 2 </a:t>
+            </a:r>
+            <a:br>
+              <a:rPr kumimoji="1" lang="en-US" altLang="ko-KR" dirty="0"/>
+            </a:br>
+            <a:r>
+              <a:rPr kumimoji="1" lang="ko-KR" altLang="en-US" dirty="0" err="1"/>
+              <a:t>미티게이션에대한오해와진상</a:t>
+            </a:r>
+            <a:endParaRPr kumimoji="1" lang="ko-KR" altLang="en-US" dirty="0"/>
+          </a:p>
+        </p:txBody>
+      </p:sp>
+      <p:sp>
+        <p:nvSpPr>
+          <p:cNvPr id="3" name="내용 개체 틀 2">
+            <a:extLst>
+              <a:ext uri="{FF2B5EF4-FFF2-40B4-BE49-F238E27FC236}">
+                <a16:creationId xmlns:a16="http://schemas.microsoft.com/office/drawing/2014/main" id="{D75E455E-6BFF-6649-AA1D-B21A398C72F5}"/>
+              </a:ext>
+            </a:extLst>
+          </p:cNvPr>
+          <p:cNvSpPr>
+            <a:spLocks noGrp="1"/>
+          </p:cNvSpPr>
+          <p:nvPr>
+            <p:ph idx="1"/>
+          </p:nvPr>
+        </p:nvSpPr>
+        <p:spPr/>
+        <p:txBody>
+          <a:bodyPr>
+            <a:normAutofit fontScale="92500" lnSpcReduction="10000"/>
+          </a:bodyPr>
+          <a:lstStyle/>
+          <a:p>
+            <a:r>
+              <a:rPr kumimoji="1" lang="ko-KR" altLang="en-US" dirty="0" err="1"/>
+              <a:t>마이티</a:t>
+            </a:r>
+            <a:r>
+              <a:rPr kumimoji="1" lang="en-US" altLang="ko-KR" dirty="0"/>
+              <a:t>?</a:t>
+            </a:r>
+            <a:r>
+              <a:rPr kumimoji="1" lang="ko-KR" altLang="en-US" dirty="0" err="1"/>
+              <a:t>미티</a:t>
+            </a:r>
+            <a:r>
+              <a:rPr kumimoji="1" lang="en-US" altLang="ko-KR" dirty="0"/>
+              <a:t>?</a:t>
+            </a:r>
+            <a:r>
+              <a:rPr kumimoji="1" lang="ko-KR" altLang="en-US" dirty="0" err="1"/>
+              <a:t>뭐라그러는거죠</a:t>
+            </a:r>
+            <a:r>
+              <a:rPr kumimoji="1" lang="en-US" altLang="ko-KR" dirty="0"/>
+              <a:t>?</a:t>
+            </a:r>
+          </a:p>
+          <a:p>
+            <a:r>
+              <a:rPr kumimoji="1" lang="en-US" altLang="ko-KR" dirty="0"/>
+              <a:t>mitigations</a:t>
+            </a:r>
+            <a:r>
+              <a:rPr kumimoji="1" lang="ko-KR" altLang="en-US" dirty="0"/>
+              <a:t>인데요</a:t>
+            </a:r>
+            <a:r>
+              <a:rPr kumimoji="1" lang="en-US" altLang="ko-KR" dirty="0"/>
+              <a:t>.</a:t>
+            </a:r>
+            <a:r>
+              <a:rPr kumimoji="1" lang="ko-KR" altLang="en-US" dirty="0" err="1"/>
+              <a:t>이게보안적해결책이라고합니다</a:t>
+            </a:r>
+            <a:endParaRPr kumimoji="1" lang="en-US" altLang="ko-KR" dirty="0"/>
+          </a:p>
+          <a:p>
+            <a:r>
+              <a:rPr kumimoji="1" lang="ko-KR" altLang="en-US" dirty="0"/>
+              <a:t>우리는</a:t>
+            </a:r>
+            <a:r>
+              <a:rPr kumimoji="1" lang="en-US" altLang="ko-KR" dirty="0"/>
+              <a:t>1%</a:t>
+            </a:r>
+            <a:r>
+              <a:rPr kumimoji="1" lang="ko-KR" altLang="en-US" dirty="0" err="1"/>
+              <a:t>이상의해커가보기에는절대로해결책이되지안턴우회성취약성을갖고있는버기코드라고봅니다</a:t>
+            </a:r>
+            <a:endParaRPr kumimoji="1" lang="en-US" altLang="ko-KR" dirty="0"/>
+          </a:p>
+          <a:p>
+            <a:r>
+              <a:rPr kumimoji="1" lang="ko-KR" altLang="en-US" dirty="0" err="1"/>
+              <a:t>우회가가능하시네요</a:t>
+            </a:r>
+            <a:r>
+              <a:rPr kumimoji="1" lang="en-US" altLang="ko-KR" dirty="0"/>
+              <a:t>?</a:t>
+            </a:r>
+            <a:r>
+              <a:rPr kumimoji="1" lang="ko-KR" altLang="en-US" dirty="0" err="1"/>
+              <a:t>이걸공격테크니키라고해야하는데사람들이바이패스</a:t>
+            </a:r>
+            <a:r>
+              <a:rPr kumimoji="1" lang="en-US" altLang="ko-KR" dirty="0"/>
+              <a:t>(bypassing)</a:t>
+            </a:r>
+            <a:r>
+              <a:rPr kumimoji="1" lang="ko-KR" altLang="en-US" dirty="0" err="1"/>
+              <a:t>이라고이름을</a:t>
+            </a:r>
+            <a:r>
+              <a:rPr kumimoji="1" lang="ko-KR" altLang="en-US" dirty="0"/>
+              <a:t> </a:t>
+            </a:r>
+            <a:r>
+              <a:rPr kumimoji="1" lang="ko-KR" altLang="en-US" dirty="0" err="1"/>
+              <a:t>나마에를츠케테이따카라네</a:t>
+            </a:r>
+            <a:r>
+              <a:rPr kumimoji="1" lang="en-US" altLang="ko-KR" dirty="0"/>
+              <a:t>?</a:t>
+            </a:r>
+          </a:p>
+          <a:p>
+            <a:r>
+              <a:rPr kumimoji="1" lang="ko-KR" altLang="en-US" dirty="0"/>
+              <a:t>예</a:t>
+            </a:r>
+            <a:r>
+              <a:rPr kumimoji="1" lang="en-US" altLang="ko-KR" dirty="0"/>
+              <a:t>…</a:t>
+            </a:r>
+          </a:p>
+          <a:p>
+            <a:r>
+              <a:rPr kumimoji="1" lang="ko-KR" altLang="en-US" dirty="0" err="1"/>
+              <a:t>그래서인거에요</a:t>
+            </a:r>
+            <a:r>
+              <a:rPr kumimoji="1" lang="en-US" altLang="ko-KR" dirty="0"/>
+              <a:t>.</a:t>
+            </a:r>
+            <a:r>
+              <a:rPr kumimoji="1" lang="ko-KR" altLang="en-US" dirty="0"/>
+              <a:t>우리 이 문장에 집중을 </a:t>
+            </a:r>
+            <a:r>
+              <a:rPr kumimoji="1" lang="ko-KR" altLang="en-US" dirty="0" err="1"/>
+              <a:t>잠시만해봐도</a:t>
+            </a:r>
+            <a:r>
+              <a:rPr kumimoji="1" lang="ko-KR" altLang="en-US" dirty="0"/>
+              <a:t> 간단히 </a:t>
+            </a:r>
+            <a:r>
+              <a:rPr kumimoji="1" lang="ko-KR" altLang="en-US" dirty="0" err="1"/>
+              <a:t>우회가가능한걸</a:t>
+            </a:r>
+            <a:r>
+              <a:rPr kumimoji="1" lang="ko-KR" altLang="en-US" dirty="0"/>
+              <a:t> 알 수 </a:t>
+            </a:r>
+            <a:r>
+              <a:rPr kumimoji="1" lang="ko-KR" altLang="en-US" dirty="0" err="1"/>
+              <a:t>이써요</a:t>
+            </a:r>
+            <a:r>
+              <a:rPr kumimoji="1" lang="en-US" altLang="ko-KR" dirty="0"/>
+              <a:t>.</a:t>
+            </a:r>
+            <a:r>
+              <a:rPr kumimoji="1" lang="ko-KR" altLang="en-US" dirty="0" err="1"/>
+              <a:t>저도해보아꾸요</a:t>
+            </a:r>
+            <a:r>
+              <a:rPr kumimoji="1" lang="en-US" altLang="ko-KR" dirty="0"/>
+              <a:t>.</a:t>
+            </a:r>
+            <a:r>
+              <a:rPr kumimoji="1" lang="ko-KR" altLang="en-US" dirty="0"/>
+              <a:t>한 </a:t>
+            </a:r>
+            <a:r>
+              <a:rPr kumimoji="1" lang="en-US" altLang="ko-KR" dirty="0"/>
+              <a:t>3</a:t>
+            </a:r>
+            <a:r>
+              <a:rPr kumimoji="1" lang="ko-KR" altLang="en-US" dirty="0" err="1"/>
+              <a:t>개정도요</a:t>
+            </a:r>
+            <a:r>
+              <a:rPr kumimoji="1" lang="en-US" altLang="ko-KR" dirty="0"/>
+              <a:t>.</a:t>
+            </a:r>
+            <a:r>
+              <a:rPr kumimoji="1" lang="ko-KR" altLang="en-US" dirty="0" err="1"/>
+              <a:t>공개된거지만제이름은못겁니다</a:t>
+            </a:r>
+            <a:r>
+              <a:rPr kumimoji="1" lang="en-US" altLang="ko-KR" dirty="0"/>
+              <a:t>.</a:t>
+            </a:r>
+          </a:p>
+          <a:p>
+            <a:r>
+              <a:rPr kumimoji="1" lang="ko-KR" altLang="en-US" dirty="0" err="1"/>
+              <a:t>아무것도아니기때문이에요</a:t>
+            </a:r>
+            <a:r>
+              <a:rPr kumimoji="1" lang="en-US" altLang="ko-KR" dirty="0"/>
+              <a:t>.</a:t>
+            </a:r>
+            <a:r>
+              <a:rPr kumimoji="1" lang="ko-KR" altLang="en-US" dirty="0" err="1"/>
+              <a:t>공격테크니키인데수준이낮은걸바이패싱이라고부른거같은데공격테크니키잡기</a:t>
+            </a:r>
+            <a:r>
+              <a:rPr kumimoji="1" lang="en-US" altLang="ko-KR" dirty="0"/>
+              <a:t>?</a:t>
+            </a:r>
+            <a:r>
+              <a:rPr kumimoji="1" lang="ko-KR" altLang="en-US" dirty="0" err="1"/>
+              <a:t>라고부르심될거같네요</a:t>
+            </a:r>
+            <a:endParaRPr kumimoji="1" lang="ko-KR" altLang="en-US" dirty="0"/>
+          </a:p>
+        </p:txBody>
+      </p:sp>
+    </p:spTree>
+    <p:extLst>
+      <p:ext uri="{BB962C8B-B14F-4D97-AF65-F5344CB8AC3E}">
+        <p14:creationId xmlns:p14="http://schemas.microsoft.com/office/powerpoint/2010/main" val="2692360141"/>
+      </p:ext>
+    </p:extLst>
+  </p:cSld>
+  <p:clrMapOvr>
+    <a:masterClrMapping/>
+  </p:clrMapOvr>
+</p:sld>
+</file>
+
+<file path=ppt/slides/slide17.xml><?xml version="1.0" encoding="utf-8"?>
+<p:sld xmlns:a="http://schemas.openxmlformats.org/drawingml/2006/main" xmlns:r="http://schemas.openxmlformats.org/officeDocument/2006/relationships" xmlns:p="http://schemas.openxmlformats.org/presentationml/2006/main">
+  <p:cSld>
+    <p:spTree>
+      <p:nvGrpSpPr>
+        <p:cNvPr id="1" name=""/>
+        <p:cNvGrpSpPr/>
+        <p:nvPr/>
+      </p:nvGrpSpPr>
+      <p:grpSpPr>
+        <a:xfrm>
+          <a:off x="0" y="0"/>
+          <a:ext cx="0" cy="0"/>
+          <a:chOff x="0" y="0"/>
+          <a:chExt cx="0" cy="0"/>
+        </a:xfrm>
+      </p:grpSpPr>
+      <p:sp>
+        <p:nvSpPr>
+          <p:cNvPr id="2" name="제목 1">
+            <a:extLst>
+              <a:ext uri="{FF2B5EF4-FFF2-40B4-BE49-F238E27FC236}">
                 <a16:creationId xmlns:a16="http://schemas.microsoft.com/office/drawing/2014/main" id="{EF000B4A-43C4-F649-B313-6F81A4187D19}"/>
               </a:ext>
             </a:extLst>
@@ -22774,6 +23077,13 @@
           <a:bodyPr/>
           <a:lstStyle/>
           <a:p>
+            <a:r>
+              <a:rPr kumimoji="1" lang="en-US" altLang="ko-KR" dirty="0"/>
+              <a:t>Ver 1</a:t>
+            </a:r>
+            <a:br>
+              <a:rPr kumimoji="1" lang="en-US" altLang="ko-KR" dirty="0"/>
+            </a:br>
             <a:r>
               <a:rPr kumimoji="1" lang="en-US" altLang="ko-KR" dirty="0"/>
               <a:t>1.</a:t>
